--- a/团日资料/五四介绍，人物，题目(1).pptx
+++ b/团日资料/五四介绍，人物，题目(1).pptx
@@ -278,7 +278,7 @@
               <a:pPr>
                 <a:defRPr/>
               </a:pPr>
-              <a:t>2021/11/22</a:t>
+              <a:t>2021/11/24</a:t>
             </a:fld>
             <a:endParaRPr lang="zh-CN" altLang="en-US"/>
           </a:p>
@@ -14995,7 +14995,7 @@
               <a:defRPr/>
             </a:pPr>
             <a:r>
-              <a:rPr lang="zh-CN" altLang="en-US" sz="3600" dirty="0">
+              <a:rPr lang="zh-CN" altLang="en-US" sz="3600">
                 <a:solidFill>
                   <a:schemeClr val="tx1">
                     <a:lumMod val="75000"/>
@@ -15005,7 +15005,7 @@
                 <a:latin typeface="苹方 特粗" pitchFamily="34" charset="-122"/>
                 <a:ea typeface="苹方 特粗" pitchFamily="34" charset="-122"/>
               </a:rPr>
-              <a:t>五四运动介绍</a:t>
+              <a:t>五四运动时期</a:t>
             </a:r>
             <a:endParaRPr lang="en-US" altLang="zh-CN" sz="3600" dirty="0">
               <a:solidFill>

--- a/团日资料/五四介绍，人物，题目(1).pptx
+++ b/团日资料/五四介绍，人物，题目(1).pptx
@@ -5,7 +5,7 @@
     <p:sldMasterId id="2147483660" r:id="rId1"/>
   </p:sldMasterIdLst>
   <p:notesMasterIdLst>
-    <p:notesMasterId r:id="rId16"/>
+    <p:notesMasterId r:id="rId15"/>
   </p:notesMasterIdLst>
   <p:sldIdLst>
     <p:sldId id="265" r:id="rId2"/>
@@ -19,14 +19,13 @@
     <p:sldId id="290" r:id="rId10"/>
     <p:sldId id="291" r:id="rId11"/>
     <p:sldId id="292" r:id="rId12"/>
-    <p:sldId id="293" r:id="rId13"/>
-    <p:sldId id="287" r:id="rId14"/>
-    <p:sldId id="294" r:id="rId15"/>
+    <p:sldId id="287" r:id="rId13"/>
+    <p:sldId id="294" r:id="rId14"/>
   </p:sldIdLst>
   <p:sldSz cx="12192000" cy="6858000"/>
   <p:notesSz cx="6858000" cy="9144000"/>
   <p:custDataLst>
-    <p:tags r:id="rId17"/>
+    <p:tags r:id="rId16"/>
   </p:custDataLst>
   <p:defaultTextStyle>
     <a:defPPr>
@@ -1504,9 +1503,22 @@
           <a:lstStyle/>
           <a:p>
             <a:r>
-              <a:rPr lang="zh-CN" altLang="en-US"/>
-              <a:t>这部分的升华还需要添加</a:t>
-            </a:r>
+              <a:rPr lang="en-US" altLang="zh-CN" dirty="0"/>
+              <a:t>1.A</a:t>
+            </a:r>
+          </a:p>
+          <a:p>
+            <a:r>
+              <a:rPr lang="en-US" altLang="zh-CN" dirty="0"/>
+              <a:t>2.D</a:t>
+            </a:r>
+          </a:p>
+          <a:p>
+            <a:r>
+              <a:rPr lang="en-US" altLang="zh-CN" dirty="0"/>
+              <a:t>3.A</a:t>
+            </a:r>
+            <a:endParaRPr lang="zh-CN" altLang="en-US" dirty="0"/>
           </a:p>
         </p:txBody>
       </p:sp>
@@ -1661,7 +1673,7 @@
     </p:spTree>
     <p:extLst>
       <p:ext uri="{BB962C8B-B14F-4D97-AF65-F5344CB8AC3E}">
-        <p14:creationId xmlns:p14="http://schemas.microsoft.com/office/powerpoint/2010/main" val="2874172960"/>
+        <p14:creationId xmlns:p14="http://schemas.microsoft.com/office/powerpoint/2010/main" val="4079027501"/>
       </p:ext>
     </p:extLst>
   </p:cSld>
@@ -1773,13 +1785,13 @@
           <a:p>
             <a:r>
               <a:rPr lang="en-US" altLang="zh-CN" dirty="0"/>
-              <a:t>1.A</a:t>
+              <a:t>1.B</a:t>
             </a:r>
           </a:p>
           <a:p>
             <a:r>
               <a:rPr lang="en-US" altLang="zh-CN" dirty="0"/>
-              <a:t>2.D</a:t>
+              <a:t>2.B</a:t>
             </a:r>
           </a:p>
           <a:p>
@@ -1934,287 +1946,6 @@
               <a:rPr lang="zh-CN" altLang="en-US"/>
               <a:pPr/>
               <a:t>13</a:t>
-            </a:fld>
-            <a:endParaRPr lang="zh-CN" altLang="en-US"/>
-          </a:p>
-        </p:txBody>
-      </p:sp>
-    </p:spTree>
-    <p:extLst>
-      <p:ext uri="{BB962C8B-B14F-4D97-AF65-F5344CB8AC3E}">
-        <p14:creationId xmlns:p14="http://schemas.microsoft.com/office/powerpoint/2010/main" val="4079027501"/>
-      </p:ext>
-    </p:extLst>
-  </p:cSld>
-  <p:clrMapOvr>
-    <a:masterClrMapping/>
-  </p:clrMapOvr>
-</p:notes>
-</file>
-
-<file path=ppt/notesSlides/notesSlide14.xml><?xml version="1.0" encoding="utf-8"?>
-<p:notes xmlns:a="http://schemas.openxmlformats.org/drawingml/2006/main" xmlns:r="http://schemas.openxmlformats.org/officeDocument/2006/relationships" xmlns:p="http://schemas.openxmlformats.org/presentationml/2006/main">
-  <p:cSld>
-    <p:spTree>
-      <p:nvGrpSpPr>
-        <p:cNvPr id="1" name=""/>
-        <p:cNvGrpSpPr/>
-        <p:nvPr/>
-      </p:nvGrpSpPr>
-      <p:grpSpPr>
-        <a:xfrm>
-          <a:off x="0" y="0"/>
-          <a:ext cx="0" cy="0"/>
-          <a:chOff x="0" y="0"/>
-          <a:chExt cx="0" cy="0"/>
-        </a:xfrm>
-      </p:grpSpPr>
-      <p:sp>
-        <p:nvSpPr>
-          <p:cNvPr id="46082" name="幻灯片图像占位符 1">
-            <a:extLst>
-              <a:ext uri="{FF2B5EF4-FFF2-40B4-BE49-F238E27FC236}">
-                <a16:creationId xmlns:a16="http://schemas.microsoft.com/office/drawing/2014/main" id="{A93F1910-91BB-4508-94FB-661CDA15555F}"/>
-              </a:ext>
-            </a:extLst>
-          </p:cNvPr>
-          <p:cNvSpPr>
-            <a:spLocks noGrp="1" noRot="1" noChangeAspect="1" noChangeArrowheads="1" noTextEdit="1"/>
-          </p:cNvSpPr>
-          <p:nvPr>
-            <p:ph type="sldImg"/>
-          </p:nvPr>
-        </p:nvSpPr>
-        <p:spPr bwMode="auto">
-          <a:noFill/>
-          <a:ln>
-            <a:solidFill>
-              <a:srgbClr val="000000"/>
-            </a:solidFill>
-            <a:miter lim="800000"/>
-            <a:headEnd/>
-            <a:tailEnd/>
-          </a:ln>
-          <a:extLst>
-            <a:ext uri="{909E8E84-426E-40DD-AFC4-6F175D3DCCD1}">
-              <a14:hiddenFill xmlns:a14="http://schemas.microsoft.com/office/drawing/2010/main">
-                <a:solidFill>
-                  <a:srgbClr val="FFFFFF"/>
-                </a:solidFill>
-              </a14:hiddenFill>
-            </a:ext>
-          </a:extLst>
-        </p:spPr>
-      </p:sp>
-      <p:sp>
-        <p:nvSpPr>
-          <p:cNvPr id="46083" name="备注占位符 2">
-            <a:extLst>
-              <a:ext uri="{FF2B5EF4-FFF2-40B4-BE49-F238E27FC236}">
-                <a16:creationId xmlns:a16="http://schemas.microsoft.com/office/drawing/2014/main" id="{F8BBF34F-5B5B-444F-ABDD-36271BAC6B45}"/>
-              </a:ext>
-            </a:extLst>
-          </p:cNvPr>
-          <p:cNvSpPr>
-            <a:spLocks noGrp="1" noChangeArrowheads="1"/>
-          </p:cNvSpPr>
-          <p:nvPr>
-            <p:ph type="body" idx="1"/>
-          </p:nvPr>
-        </p:nvSpPr>
-        <p:spPr bwMode="auto">
-          <a:noFill/>
-          <a:extLst>
-            <a:ext uri="{909E8E84-426E-40DD-AFC4-6F175D3DCCD1}">
-              <a14:hiddenFill xmlns:a14="http://schemas.microsoft.com/office/drawing/2010/main">
-                <a:solidFill>
-                  <a:srgbClr val="FFFFFF"/>
-                </a:solidFill>
-              </a14:hiddenFill>
-            </a:ext>
-            <a:ext uri="{91240B29-F687-4F45-9708-019B960494DF}">
-              <a14:hiddenLine xmlns:a14="http://schemas.microsoft.com/office/drawing/2010/main" w="9525">
-                <a:solidFill>
-                  <a:srgbClr val="000000"/>
-                </a:solidFill>
-                <a:miter lim="800000"/>
-                <a:headEnd/>
-                <a:tailEnd/>
-              </a14:hiddenLine>
-            </a:ext>
-          </a:extLst>
-        </p:spPr>
-        <p:txBody>
-          <a:bodyPr wrap="square" numCol="1" anchor="t" anchorCtr="0" compatLnSpc="1">
-            <a:prstTxWarp prst="textNoShape">
-              <a:avLst/>
-            </a:prstTxWarp>
-          </a:bodyPr>
-          <a:lstStyle/>
-          <a:p>
-            <a:r>
-              <a:rPr lang="en-US" altLang="zh-CN" dirty="0"/>
-              <a:t>1.B</a:t>
-            </a:r>
-          </a:p>
-          <a:p>
-            <a:r>
-              <a:rPr lang="en-US" altLang="zh-CN" dirty="0"/>
-              <a:t>2.B</a:t>
-            </a:r>
-          </a:p>
-          <a:p>
-            <a:r>
-              <a:rPr lang="en-US" altLang="zh-CN" dirty="0"/>
-              <a:t>3.A</a:t>
-            </a:r>
-            <a:endParaRPr lang="zh-CN" altLang="en-US" dirty="0"/>
-          </a:p>
-        </p:txBody>
-      </p:sp>
-      <p:sp>
-        <p:nvSpPr>
-          <p:cNvPr id="46084" name="灯片编号占位符 3">
-            <a:extLst>
-              <a:ext uri="{FF2B5EF4-FFF2-40B4-BE49-F238E27FC236}">
-                <a16:creationId xmlns:a16="http://schemas.microsoft.com/office/drawing/2014/main" id="{BE5791C3-97D0-47C0-8FEE-D4952EDAEA60}"/>
-              </a:ext>
-            </a:extLst>
-          </p:cNvPr>
-          <p:cNvSpPr>
-            <a:spLocks noGrp="1" noChangeArrowheads="1"/>
-          </p:cNvSpPr>
-          <p:nvPr>
-            <p:ph type="sldNum" sz="quarter" idx="5"/>
-          </p:nvPr>
-        </p:nvSpPr>
-        <p:spPr bwMode="auto">
-          <a:noFill/>
-          <a:extLst>
-            <a:ext uri="{909E8E84-426E-40DD-AFC4-6F175D3DCCD1}">
-              <a14:hiddenFill xmlns:a14="http://schemas.microsoft.com/office/drawing/2010/main">
-                <a:solidFill>
-                  <a:srgbClr val="FFFFFF"/>
-                </a:solidFill>
-              </a14:hiddenFill>
-            </a:ext>
-            <a:ext uri="{91240B29-F687-4F45-9708-019B960494DF}">
-              <a14:hiddenLine xmlns:a14="http://schemas.microsoft.com/office/drawing/2010/main" w="9525">
-                <a:solidFill>
-                  <a:srgbClr val="000000"/>
-                </a:solidFill>
-                <a:miter lim="800000"/>
-                <a:headEnd/>
-                <a:tailEnd/>
-              </a14:hiddenLine>
-            </a:ext>
-          </a:extLst>
-        </p:spPr>
-        <p:txBody>
-          <a:bodyPr/>
-          <a:lstStyle>
-            <a:lvl1pPr>
-              <a:defRPr>
-                <a:solidFill>
-                  <a:schemeClr val="tx1"/>
-                </a:solidFill>
-                <a:latin typeface="Calibri" panose="020F0502020204030204" pitchFamily="34" charset="0"/>
-              </a:defRPr>
-            </a:lvl1pPr>
-            <a:lvl2pPr marL="742950" indent="-285750">
-              <a:defRPr>
-                <a:solidFill>
-                  <a:schemeClr val="tx1"/>
-                </a:solidFill>
-                <a:latin typeface="Calibri" panose="020F0502020204030204" pitchFamily="34" charset="0"/>
-              </a:defRPr>
-            </a:lvl2pPr>
-            <a:lvl3pPr marL="1143000" indent="-228600">
-              <a:defRPr>
-                <a:solidFill>
-                  <a:schemeClr val="tx1"/>
-                </a:solidFill>
-                <a:latin typeface="Calibri" panose="020F0502020204030204" pitchFamily="34" charset="0"/>
-              </a:defRPr>
-            </a:lvl3pPr>
-            <a:lvl4pPr marL="1600200" indent="-228600">
-              <a:defRPr>
-                <a:solidFill>
-                  <a:schemeClr val="tx1"/>
-                </a:solidFill>
-                <a:latin typeface="Calibri" panose="020F0502020204030204" pitchFamily="34" charset="0"/>
-              </a:defRPr>
-            </a:lvl4pPr>
-            <a:lvl5pPr marL="2057400" indent="-228600">
-              <a:defRPr>
-                <a:solidFill>
-                  <a:schemeClr val="tx1"/>
-                </a:solidFill>
-                <a:latin typeface="Calibri" panose="020F0502020204030204" pitchFamily="34" charset="0"/>
-              </a:defRPr>
-            </a:lvl5pPr>
-            <a:lvl6pPr marL="2514600" indent="-228600" defTabSz="457200" eaLnBrk="0" fontAlgn="base" hangingPunct="0">
-              <a:spcBef>
-                <a:spcPct val="0"/>
-              </a:spcBef>
-              <a:spcAft>
-                <a:spcPct val="0"/>
-              </a:spcAft>
-              <a:defRPr>
-                <a:solidFill>
-                  <a:schemeClr val="tx1"/>
-                </a:solidFill>
-                <a:latin typeface="Calibri" panose="020F0502020204030204" pitchFamily="34" charset="0"/>
-              </a:defRPr>
-            </a:lvl6pPr>
-            <a:lvl7pPr marL="2971800" indent="-228600" defTabSz="457200" eaLnBrk="0" fontAlgn="base" hangingPunct="0">
-              <a:spcBef>
-                <a:spcPct val="0"/>
-              </a:spcBef>
-              <a:spcAft>
-                <a:spcPct val="0"/>
-              </a:spcAft>
-              <a:defRPr>
-                <a:solidFill>
-                  <a:schemeClr val="tx1"/>
-                </a:solidFill>
-                <a:latin typeface="Calibri" panose="020F0502020204030204" pitchFamily="34" charset="0"/>
-              </a:defRPr>
-            </a:lvl7pPr>
-            <a:lvl8pPr marL="3429000" indent="-228600" defTabSz="457200" eaLnBrk="0" fontAlgn="base" hangingPunct="0">
-              <a:spcBef>
-                <a:spcPct val="0"/>
-              </a:spcBef>
-              <a:spcAft>
-                <a:spcPct val="0"/>
-              </a:spcAft>
-              <a:defRPr>
-                <a:solidFill>
-                  <a:schemeClr val="tx1"/>
-                </a:solidFill>
-                <a:latin typeface="Calibri" panose="020F0502020204030204" pitchFamily="34" charset="0"/>
-              </a:defRPr>
-            </a:lvl8pPr>
-            <a:lvl9pPr marL="3886200" indent="-228600" defTabSz="457200" eaLnBrk="0" fontAlgn="base" hangingPunct="0">
-              <a:spcBef>
-                <a:spcPct val="0"/>
-              </a:spcBef>
-              <a:spcAft>
-                <a:spcPct val="0"/>
-              </a:spcAft>
-              <a:defRPr>
-                <a:solidFill>
-                  <a:schemeClr val="tx1"/>
-                </a:solidFill>
-                <a:latin typeface="Calibri" panose="020F0502020204030204" pitchFamily="34" charset="0"/>
-              </a:defRPr>
-            </a:lvl9pPr>
-          </a:lstStyle>
-          <a:p>
-            <a:fld id="{6EE1621F-DD77-422F-AC32-AE33060D2D86}" type="slidenum">
-              <a:rPr lang="zh-CN" altLang="en-US"/>
-              <a:pPr/>
-              <a:t>14</a:t>
             </a:fld>
             <a:endParaRPr lang="zh-CN" altLang="en-US"/>
           </a:p>
@@ -14995,7 +14726,7 @@
               <a:defRPr/>
             </a:pPr>
             <a:r>
-              <a:rPr lang="zh-CN" altLang="en-US" sz="3600">
+              <a:rPr lang="zh-CN" altLang="en-US" sz="3600" dirty="0">
                 <a:solidFill>
                   <a:schemeClr val="tx1">
                     <a:lumMod val="75000"/>
@@ -17385,1104 +17116,6 @@
 <file path=ppt/slides/slide12.xml><?xml version="1.0" encoding="utf-8"?>
 <p:sld xmlns:a="http://schemas.openxmlformats.org/drawingml/2006/main" xmlns:r="http://schemas.openxmlformats.org/officeDocument/2006/relationships" xmlns:p="http://schemas.openxmlformats.org/presentationml/2006/main">
   <p:cSld>
-    <p:spTree>
-      <p:nvGrpSpPr>
-        <p:cNvPr id="1" name=""/>
-        <p:cNvGrpSpPr/>
-        <p:nvPr/>
-      </p:nvGrpSpPr>
-      <p:grpSpPr>
-        <a:xfrm>
-          <a:off x="0" y="0"/>
-          <a:ext cx="0" cy="0"/>
-          <a:chOff x="0" y="0"/>
-          <a:chExt cx="0" cy="0"/>
-        </a:xfrm>
-      </p:grpSpPr>
-      <p:pic>
-        <p:nvPicPr>
-          <p:cNvPr id="17410" name="图片 2">
-            <a:extLst>
-              <a:ext uri="{FF2B5EF4-FFF2-40B4-BE49-F238E27FC236}">
-                <a16:creationId xmlns:a16="http://schemas.microsoft.com/office/drawing/2014/main" id="{9E734AB3-A1BE-4FFD-BF00-DBD783A58259}"/>
-              </a:ext>
-            </a:extLst>
-          </p:cNvPr>
-          <p:cNvPicPr>
-            <a:picLocks noChangeAspect="1" noChangeArrowheads="1"/>
-          </p:cNvPicPr>
-          <p:nvPr/>
-        </p:nvPicPr>
-        <p:blipFill>
-          <a:blip r:embed="rId3">
-            <a:extLst>
-              <a:ext uri="{28A0092B-C50C-407E-A947-70E740481C1C}">
-                <a14:useLocalDpi xmlns:a14="http://schemas.microsoft.com/office/drawing/2010/main" val="0"/>
-              </a:ext>
-            </a:extLst>
-          </a:blip>
-          <a:srcRect/>
-          <a:stretch>
-            <a:fillRect/>
-          </a:stretch>
-        </p:blipFill>
-        <p:spPr bwMode="auto">
-          <a:xfrm>
-            <a:off x="6153150" y="0"/>
-            <a:ext cx="6038850" cy="6858000"/>
-          </a:xfrm>
-          <a:prstGeom prst="rect">
-            <a:avLst/>
-          </a:prstGeom>
-          <a:noFill/>
-          <a:ln>
-            <a:noFill/>
-          </a:ln>
-          <a:extLst>
-            <a:ext uri="{909E8E84-426E-40DD-AFC4-6F175D3DCCD1}">
-              <a14:hiddenFill xmlns:a14="http://schemas.microsoft.com/office/drawing/2010/main">
-                <a:solidFill>
-                  <a:srgbClr val="FFFFFF"/>
-                </a:solidFill>
-              </a14:hiddenFill>
-            </a:ext>
-            <a:ext uri="{91240B29-F687-4F45-9708-019B960494DF}">
-              <a14:hiddenLine xmlns:a14="http://schemas.microsoft.com/office/drawing/2010/main" w="9525">
-                <a:solidFill>
-                  <a:srgbClr val="000000"/>
-                </a:solidFill>
-                <a:miter lim="800000"/>
-                <a:headEnd/>
-                <a:tailEnd/>
-              </a14:hiddenLine>
-            </a:ext>
-          </a:extLst>
-        </p:spPr>
-      </p:pic>
-      <p:pic>
-        <p:nvPicPr>
-          <p:cNvPr id="4" name="图片 3">
-            <a:extLst>
-              <a:ext uri="{FF2B5EF4-FFF2-40B4-BE49-F238E27FC236}">
-                <a16:creationId xmlns:a16="http://schemas.microsoft.com/office/drawing/2014/main" id="{D9C4E0E6-FF87-4BCF-8434-A1F717ABA330}"/>
-              </a:ext>
-            </a:extLst>
-          </p:cNvPr>
-          <p:cNvPicPr>
-            <a:picLocks noChangeAspect="1" noChangeArrowheads="1"/>
-          </p:cNvPicPr>
-          <p:nvPr/>
-        </p:nvPicPr>
-        <p:blipFill>
-          <a:blip r:embed="rId4">
-            <a:extLst>
-              <a:ext uri="{28A0092B-C50C-407E-A947-70E740481C1C}">
-                <a14:useLocalDpi xmlns:a14="http://schemas.microsoft.com/office/drawing/2010/main" val="0"/>
-              </a:ext>
-            </a:extLst>
-          </a:blip>
-          <a:srcRect/>
-          <a:stretch>
-            <a:fillRect/>
-          </a:stretch>
-        </p:blipFill>
-        <p:spPr bwMode="auto">
-          <a:xfrm>
-            <a:off x="1700213" y="211138"/>
-            <a:ext cx="981075" cy="914400"/>
-          </a:xfrm>
-          <a:prstGeom prst="rect">
-            <a:avLst/>
-          </a:prstGeom>
-          <a:noFill/>
-          <a:ln>
-            <a:noFill/>
-          </a:ln>
-          <a:extLst>
-            <a:ext uri="{909E8E84-426E-40DD-AFC4-6F175D3DCCD1}">
-              <a14:hiddenFill xmlns:a14="http://schemas.microsoft.com/office/drawing/2010/main">
-                <a:solidFill>
-                  <a:srgbClr val="FFFFFF"/>
-                </a:solidFill>
-              </a14:hiddenFill>
-            </a:ext>
-            <a:ext uri="{91240B29-F687-4F45-9708-019B960494DF}">
-              <a14:hiddenLine xmlns:a14="http://schemas.microsoft.com/office/drawing/2010/main" w="9525">
-                <a:solidFill>
-                  <a:srgbClr val="000000"/>
-                </a:solidFill>
-                <a:miter lim="800000"/>
-                <a:headEnd/>
-                <a:tailEnd/>
-              </a14:hiddenLine>
-            </a:ext>
-          </a:extLst>
-        </p:spPr>
-      </p:pic>
-      <p:sp>
-        <p:nvSpPr>
-          <p:cNvPr id="17414" name="TextBox 6">
-            <a:extLst>
-              <a:ext uri="{FF2B5EF4-FFF2-40B4-BE49-F238E27FC236}">
-                <a16:creationId xmlns:a16="http://schemas.microsoft.com/office/drawing/2014/main" id="{E68C8F31-C031-4F8B-A695-096E7314278B}"/>
-              </a:ext>
-            </a:extLst>
-          </p:cNvPr>
-          <p:cNvSpPr txBox="1">
-            <a:spLocks noChangeArrowheads="1"/>
-          </p:cNvSpPr>
-          <p:nvPr/>
-        </p:nvSpPr>
-        <p:spPr bwMode="auto">
-          <a:xfrm>
-            <a:off x="263525" y="290513"/>
-            <a:ext cx="1655763" cy="461962"/>
-          </a:xfrm>
-          <a:prstGeom prst="rect">
-            <a:avLst/>
-          </a:prstGeom>
-          <a:noFill/>
-          <a:ln>
-            <a:noFill/>
-          </a:ln>
-          <a:extLst>
-            <a:ext uri="{909E8E84-426E-40DD-AFC4-6F175D3DCCD1}">
-              <a14:hiddenFill xmlns:a14="http://schemas.microsoft.com/office/drawing/2010/main">
-                <a:solidFill>
-                  <a:srgbClr val="FFFFFF"/>
-                </a:solidFill>
-              </a14:hiddenFill>
-            </a:ext>
-            <a:ext uri="{91240B29-F687-4F45-9708-019B960494DF}">
-              <a14:hiddenLine xmlns:a14="http://schemas.microsoft.com/office/drawing/2010/main" w="9525">
-                <a:solidFill>
-                  <a:srgbClr val="000000"/>
-                </a:solidFill>
-                <a:miter lim="800000"/>
-                <a:headEnd/>
-                <a:tailEnd/>
-              </a14:hiddenLine>
-            </a:ext>
-          </a:extLst>
-        </p:spPr>
-        <p:txBody>
-          <a:bodyPr>
-            <a:spAutoFit/>
-          </a:bodyPr>
-          <a:lstStyle>
-            <a:lvl1pPr>
-              <a:defRPr>
-                <a:solidFill>
-                  <a:schemeClr val="tx1"/>
-                </a:solidFill>
-                <a:latin typeface="Calibri" panose="020F0502020204030204" pitchFamily="34" charset="0"/>
-              </a:defRPr>
-            </a:lvl1pPr>
-            <a:lvl2pPr marL="742950" indent="-285750">
-              <a:defRPr>
-                <a:solidFill>
-                  <a:schemeClr val="tx1"/>
-                </a:solidFill>
-                <a:latin typeface="Calibri" panose="020F0502020204030204" pitchFamily="34" charset="0"/>
-              </a:defRPr>
-            </a:lvl2pPr>
-            <a:lvl3pPr marL="1143000" indent="-228600">
-              <a:defRPr>
-                <a:solidFill>
-                  <a:schemeClr val="tx1"/>
-                </a:solidFill>
-                <a:latin typeface="Calibri" panose="020F0502020204030204" pitchFamily="34" charset="0"/>
-              </a:defRPr>
-            </a:lvl3pPr>
-            <a:lvl4pPr marL="1600200" indent="-228600">
-              <a:defRPr>
-                <a:solidFill>
-                  <a:schemeClr val="tx1"/>
-                </a:solidFill>
-                <a:latin typeface="Calibri" panose="020F0502020204030204" pitchFamily="34" charset="0"/>
-              </a:defRPr>
-            </a:lvl4pPr>
-            <a:lvl5pPr marL="2057400" indent="-228600">
-              <a:defRPr>
-                <a:solidFill>
-                  <a:schemeClr val="tx1"/>
-                </a:solidFill>
-                <a:latin typeface="Calibri" panose="020F0502020204030204" pitchFamily="34" charset="0"/>
-              </a:defRPr>
-            </a:lvl5pPr>
-            <a:lvl6pPr marL="2514600" indent="-228600" defTabSz="457200" eaLnBrk="0" fontAlgn="base" hangingPunct="0">
-              <a:spcBef>
-                <a:spcPct val="0"/>
-              </a:spcBef>
-              <a:spcAft>
-                <a:spcPct val="0"/>
-              </a:spcAft>
-              <a:defRPr>
-                <a:solidFill>
-                  <a:schemeClr val="tx1"/>
-                </a:solidFill>
-                <a:latin typeface="Calibri" panose="020F0502020204030204" pitchFamily="34" charset="0"/>
-              </a:defRPr>
-            </a:lvl6pPr>
-            <a:lvl7pPr marL="2971800" indent="-228600" defTabSz="457200" eaLnBrk="0" fontAlgn="base" hangingPunct="0">
-              <a:spcBef>
-                <a:spcPct val="0"/>
-              </a:spcBef>
-              <a:spcAft>
-                <a:spcPct val="0"/>
-              </a:spcAft>
-              <a:defRPr>
-                <a:solidFill>
-                  <a:schemeClr val="tx1"/>
-                </a:solidFill>
-                <a:latin typeface="Calibri" panose="020F0502020204030204" pitchFamily="34" charset="0"/>
-              </a:defRPr>
-            </a:lvl7pPr>
-            <a:lvl8pPr marL="3429000" indent="-228600" defTabSz="457200" eaLnBrk="0" fontAlgn="base" hangingPunct="0">
-              <a:spcBef>
-                <a:spcPct val="0"/>
-              </a:spcBef>
-              <a:spcAft>
-                <a:spcPct val="0"/>
-              </a:spcAft>
-              <a:defRPr>
-                <a:solidFill>
-                  <a:schemeClr val="tx1"/>
-                </a:solidFill>
-                <a:latin typeface="Calibri" panose="020F0502020204030204" pitchFamily="34" charset="0"/>
-              </a:defRPr>
-            </a:lvl8pPr>
-            <a:lvl9pPr marL="3886200" indent="-228600" defTabSz="457200" eaLnBrk="0" fontAlgn="base" hangingPunct="0">
-              <a:spcBef>
-                <a:spcPct val="0"/>
-              </a:spcBef>
-              <a:spcAft>
-                <a:spcPct val="0"/>
-              </a:spcAft>
-              <a:defRPr>
-                <a:solidFill>
-                  <a:schemeClr val="tx1"/>
-                </a:solidFill>
-                <a:latin typeface="Calibri" panose="020F0502020204030204" pitchFamily="34" charset="0"/>
-              </a:defRPr>
-            </a:lvl9pPr>
-          </a:lstStyle>
-          <a:p>
-            <a:r>
-              <a:rPr lang="en-US" altLang="zh-CN" sz="2400">
-                <a:solidFill>
-                  <a:srgbClr val="D9CCB5"/>
-                </a:solidFill>
-                <a:latin typeface="Impact" panose="020B0806030902050204" pitchFamily="34" charset="0"/>
-              </a:rPr>
-              <a:t>CHAPTER 1</a:t>
-            </a:r>
-            <a:endParaRPr lang="zh-CN" altLang="en-US" sz="2400">
-              <a:solidFill>
-                <a:srgbClr val="D9CCB5"/>
-              </a:solidFill>
-              <a:latin typeface="Impact" panose="020B0806030902050204" pitchFamily="34" charset="0"/>
-            </a:endParaRPr>
-          </a:p>
-        </p:txBody>
-      </p:sp>
-      <p:sp>
-        <p:nvSpPr>
-          <p:cNvPr id="17415" name="TextBox 7">
-            <a:extLst>
-              <a:ext uri="{FF2B5EF4-FFF2-40B4-BE49-F238E27FC236}">
-                <a16:creationId xmlns:a16="http://schemas.microsoft.com/office/drawing/2014/main" id="{F3FBE3AC-AF9E-4D4D-A583-C6E75333B44B}"/>
-              </a:ext>
-            </a:extLst>
-          </p:cNvPr>
-          <p:cNvSpPr txBox="1">
-            <a:spLocks noChangeArrowheads="1"/>
-          </p:cNvSpPr>
-          <p:nvPr/>
-        </p:nvSpPr>
-        <p:spPr bwMode="auto">
-          <a:xfrm>
-            <a:off x="479425" y="476250"/>
-            <a:ext cx="3024287" cy="461665"/>
-          </a:xfrm>
-          <a:prstGeom prst="rect">
-            <a:avLst/>
-          </a:prstGeom>
-          <a:noFill/>
-          <a:ln>
-            <a:noFill/>
-          </a:ln>
-          <a:extLst>
-            <a:ext uri="{909E8E84-426E-40DD-AFC4-6F175D3DCCD1}">
-              <a14:hiddenFill xmlns:a14="http://schemas.microsoft.com/office/drawing/2010/main">
-                <a:solidFill>
-                  <a:srgbClr val="FFFFFF"/>
-                </a:solidFill>
-              </a14:hiddenFill>
-            </a:ext>
-            <a:ext uri="{91240B29-F687-4F45-9708-019B960494DF}">
-              <a14:hiddenLine xmlns:a14="http://schemas.microsoft.com/office/drawing/2010/main" w="9525">
-                <a:solidFill>
-                  <a:srgbClr val="000000"/>
-                </a:solidFill>
-                <a:miter lim="800000"/>
-                <a:headEnd/>
-                <a:tailEnd/>
-              </a14:hiddenLine>
-            </a:ext>
-          </a:extLst>
-        </p:spPr>
-        <p:txBody>
-          <a:bodyPr wrap="square">
-            <a:spAutoFit/>
-          </a:bodyPr>
-          <a:lstStyle>
-            <a:lvl1pPr>
-              <a:defRPr>
-                <a:solidFill>
-                  <a:schemeClr val="tx1"/>
-                </a:solidFill>
-                <a:latin typeface="Calibri" panose="020F0502020204030204" pitchFamily="34" charset="0"/>
-              </a:defRPr>
-            </a:lvl1pPr>
-            <a:lvl2pPr marL="742950" indent="-285750">
-              <a:defRPr>
-                <a:solidFill>
-                  <a:schemeClr val="tx1"/>
-                </a:solidFill>
-                <a:latin typeface="Calibri" panose="020F0502020204030204" pitchFamily="34" charset="0"/>
-              </a:defRPr>
-            </a:lvl2pPr>
-            <a:lvl3pPr marL="1143000" indent="-228600">
-              <a:defRPr>
-                <a:solidFill>
-                  <a:schemeClr val="tx1"/>
-                </a:solidFill>
-                <a:latin typeface="Calibri" panose="020F0502020204030204" pitchFamily="34" charset="0"/>
-              </a:defRPr>
-            </a:lvl3pPr>
-            <a:lvl4pPr marL="1600200" indent="-228600">
-              <a:defRPr>
-                <a:solidFill>
-                  <a:schemeClr val="tx1"/>
-                </a:solidFill>
-                <a:latin typeface="Calibri" panose="020F0502020204030204" pitchFamily="34" charset="0"/>
-              </a:defRPr>
-            </a:lvl4pPr>
-            <a:lvl5pPr marL="2057400" indent="-228600">
-              <a:defRPr>
-                <a:solidFill>
-                  <a:schemeClr val="tx1"/>
-                </a:solidFill>
-                <a:latin typeface="Calibri" panose="020F0502020204030204" pitchFamily="34" charset="0"/>
-              </a:defRPr>
-            </a:lvl5pPr>
-            <a:lvl6pPr marL="2514600" indent="-228600" defTabSz="457200" eaLnBrk="0" fontAlgn="base" hangingPunct="0">
-              <a:spcBef>
-                <a:spcPct val="0"/>
-              </a:spcBef>
-              <a:spcAft>
-                <a:spcPct val="0"/>
-              </a:spcAft>
-              <a:defRPr>
-                <a:solidFill>
-                  <a:schemeClr val="tx1"/>
-                </a:solidFill>
-                <a:latin typeface="Calibri" panose="020F0502020204030204" pitchFamily="34" charset="0"/>
-              </a:defRPr>
-            </a:lvl6pPr>
-            <a:lvl7pPr marL="2971800" indent="-228600" defTabSz="457200" eaLnBrk="0" fontAlgn="base" hangingPunct="0">
-              <a:spcBef>
-                <a:spcPct val="0"/>
-              </a:spcBef>
-              <a:spcAft>
-                <a:spcPct val="0"/>
-              </a:spcAft>
-              <a:defRPr>
-                <a:solidFill>
-                  <a:schemeClr val="tx1"/>
-                </a:solidFill>
-                <a:latin typeface="Calibri" panose="020F0502020204030204" pitchFamily="34" charset="0"/>
-              </a:defRPr>
-            </a:lvl7pPr>
-            <a:lvl8pPr marL="3429000" indent="-228600" defTabSz="457200" eaLnBrk="0" fontAlgn="base" hangingPunct="0">
-              <a:spcBef>
-                <a:spcPct val="0"/>
-              </a:spcBef>
-              <a:spcAft>
-                <a:spcPct val="0"/>
-              </a:spcAft>
-              <a:defRPr>
-                <a:solidFill>
-                  <a:schemeClr val="tx1"/>
-                </a:solidFill>
-                <a:latin typeface="Calibri" panose="020F0502020204030204" pitchFamily="34" charset="0"/>
-              </a:defRPr>
-            </a:lvl8pPr>
-            <a:lvl9pPr marL="3886200" indent="-228600" defTabSz="457200" eaLnBrk="0" fontAlgn="base" hangingPunct="0">
-              <a:spcBef>
-                <a:spcPct val="0"/>
-              </a:spcBef>
-              <a:spcAft>
-                <a:spcPct val="0"/>
-              </a:spcAft>
-              <a:defRPr>
-                <a:solidFill>
-                  <a:schemeClr val="tx1"/>
-                </a:solidFill>
-                <a:latin typeface="Calibri" panose="020F0502020204030204" pitchFamily="34" charset="0"/>
-              </a:defRPr>
-            </a:lvl9pPr>
-          </a:lstStyle>
-          <a:p>
-            <a:r>
-              <a:rPr lang="zh-CN" altLang="en-US" sz="2400" b="1" dirty="0">
-                <a:solidFill>
-                  <a:srgbClr val="63170E"/>
-                </a:solidFill>
-                <a:latin typeface="微软雅黑" panose="020B0503020204020204" pitchFamily="34" charset="-122"/>
-                <a:ea typeface="微软雅黑" panose="020B0503020204020204" pitchFamily="34" charset="-122"/>
-              </a:rPr>
-              <a:t>郭沫若：时年</a:t>
-            </a:r>
-            <a:r>
-              <a:rPr lang="en-US" altLang="zh-CN" sz="2400" b="1" dirty="0">
-                <a:solidFill>
-                  <a:srgbClr val="63170E"/>
-                </a:solidFill>
-                <a:latin typeface="微软雅黑" panose="020B0503020204020204" pitchFamily="34" charset="-122"/>
-                <a:ea typeface="微软雅黑" panose="020B0503020204020204" pitchFamily="34" charset="-122"/>
-              </a:rPr>
-              <a:t>27</a:t>
-            </a:r>
-            <a:r>
-              <a:rPr lang="zh-CN" altLang="en-US" sz="2400" b="1" dirty="0">
-                <a:solidFill>
-                  <a:srgbClr val="63170E"/>
-                </a:solidFill>
-                <a:latin typeface="微软雅黑" panose="020B0503020204020204" pitchFamily="34" charset="-122"/>
-                <a:ea typeface="微软雅黑" panose="020B0503020204020204" pitchFamily="34" charset="-122"/>
-              </a:rPr>
-              <a:t>岁</a:t>
-            </a:r>
-            <a:endParaRPr lang="en-US" altLang="zh-CN" sz="2400" b="1" dirty="0">
-              <a:solidFill>
-                <a:srgbClr val="63170E"/>
-              </a:solidFill>
-              <a:latin typeface="微软雅黑" panose="020B0503020204020204" pitchFamily="34" charset="-122"/>
-              <a:ea typeface="微软雅黑" panose="020B0503020204020204" pitchFamily="34" charset="-122"/>
-            </a:endParaRPr>
-          </a:p>
-        </p:txBody>
-      </p:sp>
-      <p:pic>
-        <p:nvPicPr>
-          <p:cNvPr id="17416" name="图片 6">
-            <a:extLst>
-              <a:ext uri="{FF2B5EF4-FFF2-40B4-BE49-F238E27FC236}">
-                <a16:creationId xmlns:a16="http://schemas.microsoft.com/office/drawing/2014/main" id="{F7418E86-E1C4-4AAC-A918-9310E9827AC0}"/>
-              </a:ext>
-            </a:extLst>
-          </p:cNvPr>
-          <p:cNvPicPr>
-            <a:picLocks noChangeAspect="1" noChangeArrowheads="1"/>
-          </p:cNvPicPr>
-          <p:nvPr/>
-        </p:nvPicPr>
-        <p:blipFill>
-          <a:blip r:embed="rId5">
-            <a:extLst>
-              <a:ext uri="{28A0092B-C50C-407E-A947-70E740481C1C}">
-                <a14:useLocalDpi xmlns:a14="http://schemas.microsoft.com/office/drawing/2010/main" val="0"/>
-              </a:ext>
-            </a:extLst>
-          </a:blip>
-          <a:srcRect/>
-          <a:stretch>
-            <a:fillRect/>
-          </a:stretch>
-        </p:blipFill>
-        <p:spPr bwMode="auto">
-          <a:xfrm>
-            <a:off x="9910763" y="4826000"/>
-            <a:ext cx="1487487" cy="1541463"/>
-          </a:xfrm>
-          <a:prstGeom prst="rect">
-            <a:avLst/>
-          </a:prstGeom>
-          <a:noFill/>
-          <a:ln>
-            <a:noFill/>
-          </a:ln>
-          <a:extLst>
-            <a:ext uri="{909E8E84-426E-40DD-AFC4-6F175D3DCCD1}">
-              <a14:hiddenFill xmlns:a14="http://schemas.microsoft.com/office/drawing/2010/main">
-                <a:solidFill>
-                  <a:srgbClr val="FFFFFF"/>
-                </a:solidFill>
-              </a14:hiddenFill>
-            </a:ext>
-            <a:ext uri="{91240B29-F687-4F45-9708-019B960494DF}">
-              <a14:hiddenLine xmlns:a14="http://schemas.microsoft.com/office/drawing/2010/main" w="9525">
-                <a:solidFill>
-                  <a:srgbClr val="000000"/>
-                </a:solidFill>
-                <a:miter lim="800000"/>
-                <a:headEnd/>
-                <a:tailEnd/>
-              </a14:hiddenLine>
-            </a:ext>
-          </a:extLst>
-        </p:spPr>
-      </p:pic>
-      <p:pic>
-        <p:nvPicPr>
-          <p:cNvPr id="18" name="图片 17">
-            <a:extLst>
-              <a:ext uri="{FF2B5EF4-FFF2-40B4-BE49-F238E27FC236}">
-                <a16:creationId xmlns:a16="http://schemas.microsoft.com/office/drawing/2014/main" id="{DBF1E559-5830-47D3-85B1-5FDFF704E199}"/>
-              </a:ext>
-            </a:extLst>
-          </p:cNvPr>
-          <p:cNvPicPr>
-            <a:picLocks noChangeAspect="1" noChangeArrowheads="1"/>
-          </p:cNvPicPr>
-          <p:nvPr/>
-        </p:nvPicPr>
-        <p:blipFill>
-          <a:blip r:embed="rId6" cstate="print">
-            <a:extLst>
-              <a:ext uri="{28A0092B-C50C-407E-A947-70E740481C1C}">
-                <a14:useLocalDpi xmlns:a14="http://schemas.microsoft.com/office/drawing/2010/main" val="0"/>
-              </a:ext>
-            </a:extLst>
-          </a:blip>
-          <a:srcRect/>
-          <a:stretch>
-            <a:fillRect/>
-          </a:stretch>
-        </p:blipFill>
-        <p:spPr bwMode="auto">
-          <a:xfrm>
-            <a:off x="9104313" y="4090988"/>
-            <a:ext cx="2471737" cy="2098675"/>
-          </a:xfrm>
-          <a:prstGeom prst="rect">
-            <a:avLst/>
-          </a:prstGeom>
-          <a:noFill/>
-          <a:ln>
-            <a:noFill/>
-          </a:ln>
-          <a:extLst>
-            <a:ext uri="{909E8E84-426E-40DD-AFC4-6F175D3DCCD1}">
-              <a14:hiddenFill xmlns:a14="http://schemas.microsoft.com/office/drawing/2010/main">
-                <a:solidFill>
-                  <a:srgbClr val="FFFFFF"/>
-                </a:solidFill>
-              </a14:hiddenFill>
-            </a:ext>
-            <a:ext uri="{91240B29-F687-4F45-9708-019B960494DF}">
-              <a14:hiddenLine xmlns:a14="http://schemas.microsoft.com/office/drawing/2010/main" w="9525">
-                <a:solidFill>
-                  <a:srgbClr val="000000"/>
-                </a:solidFill>
-                <a:miter lim="800000"/>
-                <a:headEnd/>
-                <a:tailEnd/>
-              </a14:hiddenLine>
-            </a:ext>
-          </a:extLst>
-        </p:spPr>
-      </p:pic>
-      <p:sp>
-        <p:nvSpPr>
-          <p:cNvPr id="17419" name="文本框 27">
-            <a:extLst>
-              <a:ext uri="{FF2B5EF4-FFF2-40B4-BE49-F238E27FC236}">
-                <a16:creationId xmlns:a16="http://schemas.microsoft.com/office/drawing/2014/main" id="{33D350DC-ACC0-440C-BDFD-29034C68A5DD}"/>
-              </a:ext>
-            </a:extLst>
-          </p:cNvPr>
-          <p:cNvSpPr txBox="1">
-            <a:spLocks noChangeArrowheads="1"/>
-          </p:cNvSpPr>
-          <p:nvPr/>
-        </p:nvSpPr>
-        <p:spPr bwMode="auto">
-          <a:xfrm>
-            <a:off x="555374" y="1079644"/>
-            <a:ext cx="5302250" cy="5453672"/>
-          </a:xfrm>
-          <a:prstGeom prst="rect">
-            <a:avLst/>
-          </a:prstGeom>
-          <a:noFill/>
-          <a:ln w="76200">
-            <a:solidFill>
-              <a:schemeClr val="accent2">
-                <a:lumMod val="75000"/>
-              </a:schemeClr>
-            </a:solidFill>
-            <a:miter lim="800000"/>
-            <a:headEnd/>
-            <a:tailEnd/>
-          </a:ln>
-          <a:extLst>
-            <a:ext uri="{909E8E84-426E-40DD-AFC4-6F175D3DCCD1}">
-              <a14:hiddenFill xmlns:a14="http://schemas.microsoft.com/office/drawing/2010/main">
-                <a:solidFill>
-                  <a:srgbClr val="FFFFFF"/>
-                </a:solidFill>
-              </a14:hiddenFill>
-            </a:ext>
-          </a:extLst>
-        </p:spPr>
-        <p:txBody>
-          <a:bodyPr wrap="square">
-            <a:spAutoFit/>
-          </a:bodyPr>
-          <a:lstStyle>
-            <a:lvl1pPr>
-              <a:defRPr>
-                <a:solidFill>
-                  <a:schemeClr val="tx1"/>
-                </a:solidFill>
-                <a:latin typeface="Calibri" panose="020F0502020204030204" pitchFamily="34" charset="0"/>
-              </a:defRPr>
-            </a:lvl1pPr>
-            <a:lvl2pPr marL="742950" indent="-285750">
-              <a:defRPr>
-                <a:solidFill>
-                  <a:schemeClr val="tx1"/>
-                </a:solidFill>
-                <a:latin typeface="Calibri" panose="020F0502020204030204" pitchFamily="34" charset="0"/>
-              </a:defRPr>
-            </a:lvl2pPr>
-            <a:lvl3pPr marL="1143000" indent="-228600">
-              <a:defRPr>
-                <a:solidFill>
-                  <a:schemeClr val="tx1"/>
-                </a:solidFill>
-                <a:latin typeface="Calibri" panose="020F0502020204030204" pitchFamily="34" charset="0"/>
-              </a:defRPr>
-            </a:lvl3pPr>
-            <a:lvl4pPr marL="1600200" indent="-228600">
-              <a:defRPr>
-                <a:solidFill>
-                  <a:schemeClr val="tx1"/>
-                </a:solidFill>
-                <a:latin typeface="Calibri" panose="020F0502020204030204" pitchFamily="34" charset="0"/>
-              </a:defRPr>
-            </a:lvl4pPr>
-            <a:lvl5pPr marL="2057400" indent="-228600">
-              <a:defRPr>
-                <a:solidFill>
-                  <a:schemeClr val="tx1"/>
-                </a:solidFill>
-                <a:latin typeface="Calibri" panose="020F0502020204030204" pitchFamily="34" charset="0"/>
-              </a:defRPr>
-            </a:lvl5pPr>
-            <a:lvl6pPr marL="2514600" indent="-228600" defTabSz="457200" eaLnBrk="0" fontAlgn="base" hangingPunct="0">
-              <a:spcBef>
-                <a:spcPct val="0"/>
-              </a:spcBef>
-              <a:spcAft>
-                <a:spcPct val="0"/>
-              </a:spcAft>
-              <a:defRPr>
-                <a:solidFill>
-                  <a:schemeClr val="tx1"/>
-                </a:solidFill>
-                <a:latin typeface="Calibri" panose="020F0502020204030204" pitchFamily="34" charset="0"/>
-              </a:defRPr>
-            </a:lvl6pPr>
-            <a:lvl7pPr marL="2971800" indent="-228600" defTabSz="457200" eaLnBrk="0" fontAlgn="base" hangingPunct="0">
-              <a:spcBef>
-                <a:spcPct val="0"/>
-              </a:spcBef>
-              <a:spcAft>
-                <a:spcPct val="0"/>
-              </a:spcAft>
-              <a:defRPr>
-                <a:solidFill>
-                  <a:schemeClr val="tx1"/>
-                </a:solidFill>
-                <a:latin typeface="Calibri" panose="020F0502020204030204" pitchFamily="34" charset="0"/>
-              </a:defRPr>
-            </a:lvl7pPr>
-            <a:lvl8pPr marL="3429000" indent="-228600" defTabSz="457200" eaLnBrk="0" fontAlgn="base" hangingPunct="0">
-              <a:spcBef>
-                <a:spcPct val="0"/>
-              </a:spcBef>
-              <a:spcAft>
-                <a:spcPct val="0"/>
-              </a:spcAft>
-              <a:defRPr>
-                <a:solidFill>
-                  <a:schemeClr val="tx1"/>
-                </a:solidFill>
-                <a:latin typeface="Calibri" panose="020F0502020204030204" pitchFamily="34" charset="0"/>
-              </a:defRPr>
-            </a:lvl8pPr>
-            <a:lvl9pPr marL="3886200" indent="-228600" defTabSz="457200" eaLnBrk="0" fontAlgn="base" hangingPunct="0">
-              <a:spcBef>
-                <a:spcPct val="0"/>
-              </a:spcBef>
-              <a:spcAft>
-                <a:spcPct val="0"/>
-              </a:spcAft>
-              <a:defRPr>
-                <a:solidFill>
-                  <a:schemeClr val="tx1"/>
-                </a:solidFill>
-                <a:latin typeface="Calibri" panose="020F0502020204030204" pitchFamily="34" charset="0"/>
-              </a:defRPr>
-            </a:lvl9pPr>
-          </a:lstStyle>
-          <a:p>
-            <a:pPr>
-              <a:lnSpc>
-                <a:spcPct val="150000"/>
-              </a:lnSpc>
-            </a:pPr>
-            <a:r>
-              <a:rPr lang="en-US" altLang="zh-CN" dirty="0"/>
-              <a:t>	</a:t>
-            </a:r>
-            <a:r>
-              <a:rPr lang="zh-CN" altLang="en-US" dirty="0">
-                <a:latin typeface="华文宋体" panose="02010600040101010101" pitchFamily="2" charset="-122"/>
-                <a:ea typeface="华文宋体" panose="02010600040101010101" pitchFamily="2" charset="-122"/>
-              </a:rPr>
-              <a:t>“五四”时期郭沫若的思想具有多种复杂矛盾的内容。但就政治思想来说，革命民主主义占有主导地位。这种以反帝反封建的坚决性和彻底性为主要特色的民主主义，当时已开始受到十月革命胜利后新的时代光芒的照耀。而朦胧的社会主义思想因素，也正是这样的时代所烙下的深刻印记。由于五四运动的冲击，郭沫若怀着改造社会和振兴民族的热情，从事文学活动，于</a:t>
-            </a:r>
-            <a:r>
-              <a:rPr lang="en-US" altLang="zh-CN" dirty="0">
-                <a:latin typeface="华文宋体" panose="02010600040101010101" pitchFamily="2" charset="-122"/>
-                <a:ea typeface="华文宋体" panose="02010600040101010101" pitchFamily="2" charset="-122"/>
-              </a:rPr>
-              <a:t>1919</a:t>
-            </a:r>
-            <a:r>
-              <a:rPr lang="zh-CN" altLang="en-US" dirty="0">
-                <a:latin typeface="华文宋体" panose="02010600040101010101" pitchFamily="2" charset="-122"/>
-                <a:ea typeface="华文宋体" panose="02010600040101010101" pitchFamily="2" charset="-122"/>
-              </a:rPr>
-              <a:t>年开始发表新诗和小说。</a:t>
-            </a:r>
-            <a:r>
-              <a:rPr lang="en-US" altLang="zh-CN" dirty="0">
-                <a:latin typeface="华文宋体" panose="02010600040101010101" pitchFamily="2" charset="-122"/>
-                <a:ea typeface="华文宋体" panose="02010600040101010101" pitchFamily="2" charset="-122"/>
-              </a:rPr>
-              <a:t>1920</a:t>
-            </a:r>
-            <a:r>
-              <a:rPr lang="zh-CN" altLang="en-US" dirty="0">
-                <a:latin typeface="华文宋体" panose="02010600040101010101" pitchFamily="2" charset="-122"/>
-                <a:ea typeface="华文宋体" panose="02010600040101010101" pitchFamily="2" charset="-122"/>
-              </a:rPr>
-              <a:t>年出版了与田汉、宗白华通信合集</a:t>
-            </a:r>
-            <a:r>
-              <a:rPr lang="en-US" altLang="zh-CN" dirty="0">
-                <a:latin typeface="华文宋体" panose="02010600040101010101" pitchFamily="2" charset="-122"/>
-                <a:ea typeface="华文宋体" panose="02010600040101010101" pitchFamily="2" charset="-122"/>
-              </a:rPr>
-              <a:t>《</a:t>
-            </a:r>
-            <a:r>
-              <a:rPr lang="zh-CN" altLang="en-US" dirty="0">
-                <a:latin typeface="华文宋体" panose="02010600040101010101" pitchFamily="2" charset="-122"/>
-                <a:ea typeface="华文宋体" panose="02010600040101010101" pitchFamily="2" charset="-122"/>
-              </a:rPr>
-              <a:t>三叶集</a:t>
-            </a:r>
-            <a:r>
-              <a:rPr lang="en-US" altLang="zh-CN" dirty="0">
-                <a:latin typeface="华文宋体" panose="02010600040101010101" pitchFamily="2" charset="-122"/>
-                <a:ea typeface="华文宋体" panose="02010600040101010101" pitchFamily="2" charset="-122"/>
-              </a:rPr>
-              <a:t>》</a:t>
-            </a:r>
-            <a:r>
-              <a:rPr lang="zh-CN" altLang="en-US" dirty="0">
-                <a:latin typeface="华文宋体" panose="02010600040101010101" pitchFamily="2" charset="-122"/>
-                <a:ea typeface="华文宋体" panose="02010600040101010101" pitchFamily="2" charset="-122"/>
-              </a:rPr>
-              <a:t>。</a:t>
-            </a:r>
-            <a:r>
-              <a:rPr lang="en-US" altLang="zh-CN" dirty="0">
-                <a:latin typeface="华文宋体" panose="02010600040101010101" pitchFamily="2" charset="-122"/>
-                <a:ea typeface="华文宋体" panose="02010600040101010101" pitchFamily="2" charset="-122"/>
-              </a:rPr>
-              <a:t>1921</a:t>
-            </a:r>
-            <a:r>
-              <a:rPr lang="zh-CN" altLang="en-US" dirty="0">
-                <a:latin typeface="华文宋体" panose="02010600040101010101" pitchFamily="2" charset="-122"/>
-                <a:ea typeface="华文宋体" panose="02010600040101010101" pitchFamily="2" charset="-122"/>
-              </a:rPr>
-              <a:t>年出版的诗集</a:t>
-            </a:r>
-            <a:r>
-              <a:rPr lang="en-US" altLang="zh-CN" dirty="0">
-                <a:latin typeface="华文宋体" panose="02010600040101010101" pitchFamily="2" charset="-122"/>
-                <a:ea typeface="华文宋体" panose="02010600040101010101" pitchFamily="2" charset="-122"/>
-              </a:rPr>
-              <a:t>《</a:t>
-            </a:r>
-            <a:r>
-              <a:rPr lang="zh-CN" altLang="en-US" dirty="0">
-                <a:latin typeface="华文宋体" panose="02010600040101010101" pitchFamily="2" charset="-122"/>
-                <a:ea typeface="华文宋体" panose="02010600040101010101" pitchFamily="2" charset="-122"/>
-              </a:rPr>
-              <a:t>女神</a:t>
-            </a:r>
-            <a:r>
-              <a:rPr lang="en-US" altLang="zh-CN" dirty="0">
-                <a:latin typeface="华文宋体" panose="02010600040101010101" pitchFamily="2" charset="-122"/>
-                <a:ea typeface="华文宋体" panose="02010600040101010101" pitchFamily="2" charset="-122"/>
-              </a:rPr>
-              <a:t>》</a:t>
-            </a:r>
-            <a:r>
-              <a:rPr lang="zh-CN" altLang="en-US" dirty="0">
-                <a:latin typeface="华文宋体" panose="02010600040101010101" pitchFamily="2" charset="-122"/>
-                <a:ea typeface="华文宋体" panose="02010600040101010101" pitchFamily="2" charset="-122"/>
-              </a:rPr>
-              <a:t>，以强烈的革命精神，鲜明的时代色彩，浪漫主义的艺术风格，豪放的自由诗，开创了“一代诗风。同年夏，与成仿吾、郁达夫等发起组织创造社。</a:t>
-            </a:r>
-          </a:p>
-        </p:txBody>
-      </p:sp>
-      <p:sp>
-        <p:nvSpPr>
-          <p:cNvPr id="3" name="矩形 2">
-            <a:extLst>
-              <a:ext uri="{FF2B5EF4-FFF2-40B4-BE49-F238E27FC236}">
-                <a16:creationId xmlns:a16="http://schemas.microsoft.com/office/drawing/2014/main" id="{155D5239-05C8-436D-816C-E1BC7669E1A0}"/>
-              </a:ext>
-            </a:extLst>
-          </p:cNvPr>
-          <p:cNvSpPr/>
-          <p:nvPr/>
-        </p:nvSpPr>
-        <p:spPr>
-          <a:xfrm>
-            <a:off x="7842481" y="5708285"/>
-            <a:ext cx="904415" cy="369332"/>
-          </a:xfrm>
-          <a:prstGeom prst="rect">
-            <a:avLst/>
-          </a:prstGeom>
-        </p:spPr>
-        <p:txBody>
-          <a:bodyPr wrap="none">
-            <a:spAutoFit/>
-          </a:bodyPr>
-          <a:lstStyle/>
-          <a:p>
-            <a:r>
-              <a:rPr lang="zh-CN" altLang="en-US" dirty="0">
-                <a:highlight>
-                  <a:srgbClr val="FFFF00"/>
-                </a:highlight>
-              </a:rPr>
-              <a:t>郭沫若</a:t>
-            </a:r>
-          </a:p>
-        </p:txBody>
-      </p:sp>
-      <p:pic>
-        <p:nvPicPr>
-          <p:cNvPr id="2050" name="Picture 2" descr="https://pics1.baidu.com/feed/6c224f4a20a44623143dc2626bb3ab090df3d750.jpeg?token=7a9a0d67320345e489cc3ad866337a74&amp;s=960ABB4ADEA0049C2B29ECD20100C092">
-            <a:extLst>
-              <a:ext uri="{FF2B5EF4-FFF2-40B4-BE49-F238E27FC236}">
-                <a16:creationId xmlns:a16="http://schemas.microsoft.com/office/drawing/2014/main" id="{F80B1105-87A1-4232-B37A-985C31BB9377}"/>
-              </a:ext>
-            </a:extLst>
-          </p:cNvPr>
-          <p:cNvPicPr>
-            <a:picLocks noChangeAspect="1" noChangeArrowheads="1"/>
-          </p:cNvPicPr>
-          <p:nvPr/>
-        </p:nvPicPr>
-        <p:blipFill>
-          <a:blip r:embed="rId7">
-            <a:extLst>
-              <a:ext uri="{28A0092B-C50C-407E-A947-70E740481C1C}">
-                <a14:useLocalDpi xmlns:a14="http://schemas.microsoft.com/office/drawing/2010/main" val="0"/>
-              </a:ext>
-            </a:extLst>
-          </a:blip>
-          <a:srcRect/>
-          <a:stretch>
-            <a:fillRect/>
-          </a:stretch>
-        </p:blipFill>
-        <p:spPr bwMode="auto">
-          <a:xfrm>
-            <a:off x="6392862" y="521494"/>
-            <a:ext cx="3960440" cy="5093510"/>
-          </a:xfrm>
-          <a:prstGeom prst="rect">
-            <a:avLst/>
-          </a:prstGeom>
-          <a:noFill/>
-          <a:extLst>
-            <a:ext uri="{909E8E84-426E-40DD-AFC4-6F175D3DCCD1}">
-              <a14:hiddenFill xmlns:a14="http://schemas.microsoft.com/office/drawing/2010/main">
-                <a:solidFill>
-                  <a:srgbClr val="FFFFFF"/>
-                </a:solidFill>
-              </a14:hiddenFill>
-            </a:ext>
-          </a:extLst>
-        </p:spPr>
-      </p:pic>
-    </p:spTree>
-    <p:extLst>
-      <p:ext uri="{BB962C8B-B14F-4D97-AF65-F5344CB8AC3E}">
-        <p14:creationId xmlns:p14="http://schemas.microsoft.com/office/powerpoint/2010/main" val="3219531407"/>
-      </p:ext>
-    </p:extLst>
-  </p:cSld>
-  <p:clrMapOvr>
-    <a:masterClrMapping/>
-  </p:clrMapOvr>
-  <mc:AlternateContent xmlns:mc="http://schemas.openxmlformats.org/markup-compatibility/2006" xmlns:p14="http://schemas.microsoft.com/office/powerpoint/2010/main">
-    <mc:Choice Requires="p14">
-      <p:transition spd="slow" p14:dur="2000">
-        <p:fade/>
-      </p:transition>
-    </mc:Choice>
-    <mc:Fallback xmlns="">
-      <p:transition spd="slow">
-        <p:fade/>
-      </p:transition>
-    </mc:Fallback>
-  </mc:AlternateContent>
-  <p:timing>
-    <p:tnLst>
-      <p:par>
-        <p:cTn id="1" dur="indefinite" restart="never" nodeType="tmRoot">
-          <p:childTnLst>
-            <p:seq concurrent="1" nextAc="seek">
-              <p:cTn id="2" dur="indefinite" nodeType="mainSeq">
-                <p:childTnLst>
-                  <p:par>
-                    <p:cTn id="3" fill="hold" nodeType="clickPar">
-                      <p:stCondLst>
-                        <p:cond delay="indefinite"/>
-                        <p:cond evt="onBegin" delay="0">
-                          <p:tn val="2"/>
-                        </p:cond>
-                      </p:stCondLst>
-                      <p:childTnLst>
-                        <p:par>
-                          <p:cTn id="4" fill="hold" nodeType="afterGroup">
-                            <p:stCondLst>
-                              <p:cond delay="0"/>
-                            </p:stCondLst>
-                            <p:childTnLst>
-                              <p:par>
-                                <p:cTn id="5" presetID="26" presetClass="emph" presetSubtype="0" repeatCount="indefinite" fill="hold" nodeType="afterEffect">
-                                  <p:stCondLst>
-                                    <p:cond delay="0"/>
-                                  </p:stCondLst>
-                                  <p:childTnLst>
-                                    <p:animEffect transition="out" filter="fade">
-                                      <p:cBhvr>
-                                        <p:cTn id="6" dur="2000" tmFilter="0, 0; .2, .5; .8, .5; 1, 0"/>
-                                        <p:tgtEl>
-                                          <p:spTgt spid="4"/>
-                                        </p:tgtEl>
-                                      </p:cBhvr>
-                                    </p:animEffect>
-                                    <p:animScale>
-                                      <p:cBhvr>
-                                        <p:cTn id="7" dur="1000" autoRev="1" fill="hold"/>
-                                        <p:tgtEl>
-                                          <p:spTgt spid="4"/>
-                                        </p:tgtEl>
-                                      </p:cBhvr>
-                                      <p:by x="105000" y="105000"/>
-                                    </p:animScale>
-                                  </p:childTnLst>
-                                </p:cTn>
-                              </p:par>
-                            </p:childTnLst>
-                          </p:cTn>
-                        </p:par>
-                        <p:par>
-                          <p:cTn id="8" fill="hold" nodeType="afterGroup">
-                            <p:stCondLst>
-                              <p:cond delay="2000"/>
-                            </p:stCondLst>
-                            <p:childTnLst>
-                              <p:par>
-                                <p:cTn id="9" presetID="26" presetClass="emph" presetSubtype="0" repeatCount="indefinite" fill="hold" nodeType="afterEffect">
-                                  <p:stCondLst>
-                                    <p:cond delay="0"/>
-                                  </p:stCondLst>
-                                  <p:childTnLst>
-                                    <p:animEffect transition="out" filter="fade">
-                                      <p:cBhvr>
-                                        <p:cTn id="10" dur="2000" tmFilter="0, 0; .2, .5; .8, .5; 1, 0"/>
-                                        <p:tgtEl>
-                                          <p:spTgt spid="18"/>
-                                        </p:tgtEl>
-                                      </p:cBhvr>
-                                    </p:animEffect>
-                                    <p:animScale>
-                                      <p:cBhvr>
-                                        <p:cTn id="11" dur="1000" autoRev="1" fill="hold"/>
-                                        <p:tgtEl>
-                                          <p:spTgt spid="18"/>
-                                        </p:tgtEl>
-                                      </p:cBhvr>
-                                      <p:by x="105000" y="105000"/>
-                                    </p:animScale>
-                                  </p:childTnLst>
-                                </p:cTn>
-                              </p:par>
-                            </p:childTnLst>
-                          </p:cTn>
-                        </p:par>
-                      </p:childTnLst>
-                    </p:cTn>
-                  </p:par>
-                </p:childTnLst>
-              </p:cTn>
-              <p:prevCondLst>
-                <p:cond evt="onPrev" delay="0">
-                  <p:tgtEl>
-                    <p:sldTgt/>
-                  </p:tgtEl>
-                </p:cond>
-              </p:prevCondLst>
-              <p:nextCondLst>
-                <p:cond evt="onNext" delay="0">
-                  <p:tgtEl>
-                    <p:sldTgt/>
-                  </p:tgtEl>
-                </p:cond>
-              </p:nextCondLst>
-            </p:seq>
-          </p:childTnLst>
-        </p:cTn>
-      </p:par>
-    </p:tnLst>
-  </p:timing>
-</p:sld>
-</file>
-
-<file path=ppt/slides/slide13.xml><?xml version="1.0" encoding="utf-8"?>
-<p:sld xmlns:a="http://schemas.openxmlformats.org/drawingml/2006/main" xmlns:r="http://schemas.openxmlformats.org/officeDocument/2006/relationships" xmlns:p="http://schemas.openxmlformats.org/presentationml/2006/main">
-  <p:cSld>
     <p:bg>
       <p:bgPr>
         <a:solidFill>
@@ -19795,7 +18428,7 @@
 </p:sld>
 </file>
 
-<file path=ppt/slides/slide14.xml><?xml version="1.0" encoding="utf-8"?>
+<file path=ppt/slides/slide13.xml><?xml version="1.0" encoding="utf-8"?>
 <p:sld xmlns:a="http://schemas.openxmlformats.org/drawingml/2006/main" xmlns:r="http://schemas.openxmlformats.org/officeDocument/2006/relationships" xmlns:p="http://schemas.openxmlformats.org/presentationml/2006/main">
   <p:cSld>
     <p:spTree>
